--- a/template.pptx
+++ b/template.pptx
@@ -226,7 +226,7 @@
           <a:p>
             <a:fld id="{54C12B9B-332A-4AA3-A815-F3B99405B227}" type="datetimeFigureOut">
               <a:rPr lang="en-GB" smtClean="0"/>
-              <a:t>14/10/2021</a:t>
+              <a:t>22/11/2021</a:t>
             </a:fld>
             <a:endParaRPr lang="en-GB"/>
           </a:p>
@@ -403,7 +403,7 @@
           <a:p>
             <a:fld id="{4105B94E-23D4-4C1D-9F76-8EBB0A8FEDAB}" type="datetimeFigureOut">
               <a:rPr lang="en-GB" smtClean="0"/>
-              <a:t>14/10/2021</a:t>
+              <a:t>22/11/2021</a:t>
             </a:fld>
             <a:endParaRPr lang="en-GB" dirty="0"/>
           </a:p>
@@ -1958,7 +1958,7 @@
                               <p:par>
                                 <p:cTn id="12" presetID="9" presetClass="entr" presetSubtype="0" fill="hold" grpId="0" nodeType="afterEffect">
                                   <p:stCondLst>
-                                    <p:cond delay="2000"/>
+                                    <p:cond delay="1200"/>
                                   </p:stCondLst>
                                   <p:childTnLst>
                                     <p:set>
@@ -2049,7 +2049,7 @@
                               <p:par>
                                 <p:cTn id="19" presetID="9" presetClass="entr" presetSubtype="0" fill="hold" grpId="0" nodeType="afterEffect">
                                   <p:stCondLst>
-                                    <p:cond delay="2000"/>
+                                    <p:cond delay="1200"/>
                                   </p:stCondLst>
                                   <p:childTnLst>
                                     <p:set>
@@ -2140,7 +2140,7 @@
                               <p:par>
                                 <p:cTn id="26" presetID="9" presetClass="entr" presetSubtype="0" fill="hold" grpId="0" nodeType="afterEffect">
                                   <p:stCondLst>
-                                    <p:cond delay="2000"/>
+                                    <p:cond delay="1200"/>
                                   </p:stCondLst>
                                   <p:childTnLst>
                                     <p:set>
@@ -2336,7 +2336,7 @@
               <p:par>
                 <p:cTn presetID="9" presetClass="entr" presetSubtype="0" fill="hold" nodeType="afterEffect">
                   <p:stCondLst>
-                    <p:cond delay="2000"/>
+                    <p:cond delay="1200"/>
                   </p:stCondLst>
                   <p:childTnLst>
                     <p:set>
@@ -2418,7 +2418,7 @@
               <p:par>
                 <p:cTn presetID="9" presetClass="entr" presetSubtype="0" fill="hold" nodeType="afterEffect">
                   <p:stCondLst>
-                    <p:cond delay="2000"/>
+                    <p:cond delay="1200"/>
                   </p:stCondLst>
                   <p:childTnLst>
                     <p:set>
@@ -2500,7 +2500,7 @@
               <p:par>
                 <p:cTn presetID="9" presetClass="entr" presetSubtype="0" fill="hold" nodeType="afterEffect">
                   <p:stCondLst>
-                    <p:cond delay="2000"/>
+                    <p:cond delay="1200"/>
                   </p:stCondLst>
                   <p:childTnLst>
                     <p:set>
@@ -3854,9 +3854,6 @@
                     <p:cTn id="3" fill="hold">
                       <p:stCondLst>
                         <p:cond delay="indefinite"/>
-                        <p:cond evt="onBegin" delay="0">
-                          <p:tn val="2"/>
-                        </p:cond>
                       </p:stCondLst>
                       <p:childTnLst>
                         <p:par>
@@ -3866,7 +3863,7 @@
                             </p:stCondLst>
                             <p:childTnLst>
                               <p:par>
-                                <p:cTn id="5" presetID="9" presetClass="entr" presetSubtype="0" fill="hold" grpId="0" nodeType="withEffect">
+                                <p:cTn id="5" presetID="9" presetClass="entr" presetSubtype="0" fill="hold" grpId="0" nodeType="clickEffect">
                                   <p:stCondLst>
                                     <p:cond delay="0"/>
                                   </p:stCondLst>
@@ -4221,12 +4218,12 @@
       </p:par>
     </p:tnLst>
     <p:bldLst>
-      <p:bldP spid="48" grpId="0" build="p" animBg="1">
+      <p:bldP spid="48" grpId="0" uiExpand="1" build="p" animBg="1">
         <p:tmplLst>
           <p:tmpl>
             <p:tnLst>
               <p:par>
-                <p:cTn presetID="9" presetClass="entr" presetSubtype="0" fill="hold" nodeType="withEffect">
+                <p:cTn presetID="9" presetClass="entr" presetSubtype="0" fill="hold" nodeType="clickEffect">
                   <p:stCondLst>
                     <p:cond delay="0"/>
                   </p:stCondLst>
@@ -8752,6 +8749,162 @@
           </a:prstGeom>
         </p:spPr>
       </p:pic>
+      <p:sp>
+        <p:nvSpPr>
+          <p:cNvPr id="12" name="AutoShape 21">
+            <a:extLst>
+              <a:ext uri="{FF2B5EF4-FFF2-40B4-BE49-F238E27FC236}">
+                <a16:creationId xmlns:a16="http://schemas.microsoft.com/office/drawing/2014/main" id="{7E615740-5EC5-D64F-92E5-43E0704D9AFE}"/>
+              </a:ext>
+            </a:extLst>
+          </p:cNvPr>
+          <p:cNvSpPr>
+            <a:spLocks noChangeArrowheads="1"/>
+          </p:cNvSpPr>
+          <p:nvPr userDrawn="1"/>
+        </p:nvSpPr>
+        <p:spPr bwMode="gray">
+          <a:xfrm>
+            <a:off x="223778" y="5731475"/>
+            <a:ext cx="11782692" cy="682131"/>
+          </a:xfrm>
+          <a:prstGeom prst="roundRect">
+            <a:avLst>
+              <a:gd name="adj" fmla="val 49106"/>
+            </a:avLst>
+          </a:prstGeom>
+          <a:noFill/>
+          <a:ln w="57150">
+            <a:solidFill>
+              <a:schemeClr val="tx1"/>
+            </a:solidFill>
+            <a:round/>
+            <a:headEnd/>
+            <a:tailEnd/>
+          </a:ln>
+        </p:spPr>
+        <p:txBody>
+          <a:bodyPr wrap="none" anchor="ctr"/>
+          <a:lstStyle>
+            <a:lvl1pPr marL="342900" indent="-342900" eaLnBrk="0" hangingPunct="0">
+              <a:defRPr>
+                <a:solidFill>
+                  <a:schemeClr val="tx1"/>
+                </a:solidFill>
+                <a:latin typeface="Arial" panose="020B0604020202020204" pitchFamily="34" charset="0"/>
+                <a:cs typeface="Arial" panose="020B0604020202020204" pitchFamily="34" charset="0"/>
+              </a:defRPr>
+            </a:lvl1pPr>
+            <a:lvl2pPr marL="742950" indent="-285750" eaLnBrk="0" hangingPunct="0">
+              <a:defRPr>
+                <a:solidFill>
+                  <a:schemeClr val="tx1"/>
+                </a:solidFill>
+                <a:latin typeface="Arial" panose="020B0604020202020204" pitchFamily="34" charset="0"/>
+                <a:cs typeface="Arial" panose="020B0604020202020204" pitchFamily="34" charset="0"/>
+              </a:defRPr>
+            </a:lvl2pPr>
+            <a:lvl3pPr marL="1143000" indent="-228600" eaLnBrk="0" hangingPunct="0">
+              <a:defRPr>
+                <a:solidFill>
+                  <a:schemeClr val="tx1"/>
+                </a:solidFill>
+                <a:latin typeface="Arial" panose="020B0604020202020204" pitchFamily="34" charset="0"/>
+                <a:cs typeface="Arial" panose="020B0604020202020204" pitchFamily="34" charset="0"/>
+              </a:defRPr>
+            </a:lvl3pPr>
+            <a:lvl4pPr marL="1600200" indent="-228600" eaLnBrk="0" hangingPunct="0">
+              <a:defRPr>
+                <a:solidFill>
+                  <a:schemeClr val="tx1"/>
+                </a:solidFill>
+                <a:latin typeface="Arial" panose="020B0604020202020204" pitchFamily="34" charset="0"/>
+                <a:cs typeface="Arial" panose="020B0604020202020204" pitchFamily="34" charset="0"/>
+              </a:defRPr>
+            </a:lvl4pPr>
+            <a:lvl5pPr marL="2057400" indent="-228600" eaLnBrk="0" hangingPunct="0">
+              <a:defRPr>
+                <a:solidFill>
+                  <a:schemeClr val="tx1"/>
+                </a:solidFill>
+                <a:latin typeface="Arial" panose="020B0604020202020204" pitchFamily="34" charset="0"/>
+                <a:cs typeface="Arial" panose="020B0604020202020204" pitchFamily="34" charset="0"/>
+              </a:defRPr>
+            </a:lvl5pPr>
+            <a:lvl6pPr marL="2514600" indent="-228600" eaLnBrk="0" fontAlgn="base" hangingPunct="0">
+              <a:spcBef>
+                <a:spcPct val="0"/>
+              </a:spcBef>
+              <a:spcAft>
+                <a:spcPct val="0"/>
+              </a:spcAft>
+              <a:defRPr>
+                <a:solidFill>
+                  <a:schemeClr val="tx1"/>
+                </a:solidFill>
+                <a:latin typeface="Arial" panose="020B0604020202020204" pitchFamily="34" charset="0"/>
+                <a:cs typeface="Arial" panose="020B0604020202020204" pitchFamily="34" charset="0"/>
+              </a:defRPr>
+            </a:lvl6pPr>
+            <a:lvl7pPr marL="2971800" indent="-228600" eaLnBrk="0" fontAlgn="base" hangingPunct="0">
+              <a:spcBef>
+                <a:spcPct val="0"/>
+              </a:spcBef>
+              <a:spcAft>
+                <a:spcPct val="0"/>
+              </a:spcAft>
+              <a:defRPr>
+                <a:solidFill>
+                  <a:schemeClr val="tx1"/>
+                </a:solidFill>
+                <a:latin typeface="Arial" panose="020B0604020202020204" pitchFamily="34" charset="0"/>
+                <a:cs typeface="Arial" panose="020B0604020202020204" pitchFamily="34" charset="0"/>
+              </a:defRPr>
+            </a:lvl7pPr>
+            <a:lvl8pPr marL="3429000" indent="-228600" eaLnBrk="0" fontAlgn="base" hangingPunct="0">
+              <a:spcBef>
+                <a:spcPct val="0"/>
+              </a:spcBef>
+              <a:spcAft>
+                <a:spcPct val="0"/>
+              </a:spcAft>
+              <a:defRPr>
+                <a:solidFill>
+                  <a:schemeClr val="tx1"/>
+                </a:solidFill>
+                <a:latin typeface="Arial" panose="020B0604020202020204" pitchFamily="34" charset="0"/>
+                <a:cs typeface="Arial" panose="020B0604020202020204" pitchFamily="34" charset="0"/>
+              </a:defRPr>
+            </a:lvl8pPr>
+            <a:lvl9pPr marL="3886200" indent="-228600" eaLnBrk="0" fontAlgn="base" hangingPunct="0">
+              <a:spcBef>
+                <a:spcPct val="0"/>
+              </a:spcBef>
+              <a:spcAft>
+                <a:spcPct val="0"/>
+              </a:spcAft>
+              <a:defRPr>
+                <a:solidFill>
+                  <a:schemeClr val="tx1"/>
+                </a:solidFill>
+                <a:latin typeface="Arial" panose="020B0604020202020204" pitchFamily="34" charset="0"/>
+                <a:cs typeface="Arial" panose="020B0604020202020204" pitchFamily="34" charset="0"/>
+              </a:defRPr>
+            </a:lvl9pPr>
+          </a:lstStyle>
+          <a:p>
+            <a:r>
+              <a:rPr lang="en-GB" sz="2400" b="1" dirty="0"/>
+              <a:t>KEEP</a:t>
+            </a:r>
+            <a:r>
+              <a:rPr lang="en-GB" sz="2400" b="1" baseline="0" dirty="0"/>
+              <a:t> AN EYE OUT FOR NICOLAS CAGE</a:t>
+            </a:r>
+            <a:endParaRPr lang="en-GB" sz="2400" b="1" dirty="0"/>
+          </a:p>
+        </p:txBody>
+      </p:sp>
     </p:spTree>
     <p:extLst>
       <p:ext uri="{BB962C8B-B14F-4D97-AF65-F5344CB8AC3E}">
@@ -9237,6 +9390,97 @@
                       </p:childTnLst>
                     </p:cTn>
                   </p:par>
+                  <p:par>
+                    <p:cTn id="33" fill="hold">
+                      <p:stCondLst>
+                        <p:cond delay="indefinite"/>
+                      </p:stCondLst>
+                      <p:childTnLst>
+                        <p:par>
+                          <p:cTn id="34" fill="hold">
+                            <p:stCondLst>
+                              <p:cond delay="0"/>
+                            </p:stCondLst>
+                            <p:childTnLst>
+                              <p:par>
+                                <p:cTn id="35" presetID="2" presetClass="entr" presetSubtype="4" fill="hold" grpId="0" nodeType="clickEffect">
+                                  <p:stCondLst>
+                                    <p:cond delay="0"/>
+                                  </p:stCondLst>
+                                  <p:childTnLst>
+                                    <p:set>
+                                      <p:cBhvr>
+                                        <p:cTn id="36" dur="1" fill="hold">
+                                          <p:stCondLst>
+                                            <p:cond delay="0"/>
+                                          </p:stCondLst>
+                                        </p:cTn>
+                                        <p:tgtEl>
+                                          <p:spTgt spid="12"/>
+                                        </p:tgtEl>
+                                        <p:attrNameLst>
+                                          <p:attrName>style.visibility</p:attrName>
+                                        </p:attrNameLst>
+                                      </p:cBhvr>
+                                      <p:to>
+                                        <p:strVal val="visible"/>
+                                      </p:to>
+                                    </p:set>
+                                    <p:anim calcmode="lin" valueType="num">
+                                      <p:cBhvr additive="base">
+                                        <p:cTn id="37" dur="2000" fill="hold"/>
+                                        <p:tgtEl>
+                                          <p:spTgt spid="12"/>
+                                        </p:tgtEl>
+                                        <p:attrNameLst>
+                                          <p:attrName>ppt_x</p:attrName>
+                                        </p:attrNameLst>
+                                      </p:cBhvr>
+                                      <p:tavLst>
+                                        <p:tav tm="0">
+                                          <p:val>
+                                            <p:strVal val="#ppt_x"/>
+                                          </p:val>
+                                        </p:tav>
+                                        <p:tav tm="100000">
+                                          <p:val>
+                                            <p:strVal val="#ppt_x"/>
+                                          </p:val>
+                                        </p:tav>
+                                      </p:tavLst>
+                                    </p:anim>
+                                    <p:anim calcmode="lin" valueType="num">
+                                      <p:cBhvr additive="base">
+                                        <p:cTn id="38" dur="2000" fill="hold"/>
+                                        <p:tgtEl>
+                                          <p:spTgt spid="12"/>
+                                        </p:tgtEl>
+                                        <p:attrNameLst>
+                                          <p:attrName>ppt_y</p:attrName>
+                                        </p:attrNameLst>
+                                      </p:cBhvr>
+                                      <p:tavLst>
+                                        <p:tav tm="0">
+                                          <p:val>
+                                            <p:strVal val="1+#ppt_h/2"/>
+                                          </p:val>
+                                        </p:tav>
+                                        <p:tav tm="100000">
+                                          <p:val>
+                                            <p:strVal val="#ppt_y"/>
+                                          </p:val>
+                                        </p:tav>
+                                      </p:tavLst>
+                                    </p:anim>
+                                  </p:childTnLst>
+                                </p:cTn>
+                              </p:par>
+                            </p:childTnLst>
+                          </p:cTn>
+                        </p:par>
+                      </p:childTnLst>
+                    </p:cTn>
+                  </p:par>
                 </p:childTnLst>
               </p:cTn>
               <p:prevCondLst>
@@ -9264,6 +9508,7 @@
       <p:bldP spid="8" grpId="0" animBg="1"/>
       <p:bldP spid="9" grpId="0" animBg="1"/>
       <p:bldP spid="10" grpId="0" animBg="1"/>
+      <p:bldP spid="12" grpId="0" animBg="1"/>
     </p:bldLst>
   </p:timing>
 </p:sldLayout>
